--- a/03. homework/hw02/doc/hw02.pptx
+++ b/03. homework/hw02/doc/hw02.pptx
@@ -3118,7 +3118,7 @@
         </p:blipFill>
         <p:spPr bwMode="auto">
           <a:xfrm>
-            <a:off x="368010" y="4077072"/>
+            <a:off x="368010" y="4221088"/>
             <a:ext cx="8591550" cy="1752600"/>
           </a:xfrm>
           <a:prstGeom prst="rect">
@@ -3168,7 +3168,7 @@
         <p:spPr>
           <a:xfrm>
             <a:off x="611560" y="908720"/>
-            <a:ext cx="8136904" cy="2585323"/>
+            <a:ext cx="8136904" cy="3108543"/>
           </a:xfrm>
           <a:prstGeom prst="rect">
             <a:avLst/>
@@ -3181,224 +3181,332 @@
           </a:bodyPr>
           <a:lstStyle/>
           <a:p>
-            <a:r>
-              <a:rPr lang="en-US" altLang="ko-KR" dirty="0" smtClean="0"/>
-              <a:t>1. span </a:t>
-            </a:r>
-            <a:r>
-              <a:rPr lang="ko-KR" altLang="en-US" dirty="0" smtClean="0"/>
-              <a:t>태그를 활용하여 </a:t>
-            </a:r>
-            <a:r>
-              <a:rPr lang="en-US" altLang="ko-KR" dirty="0" err="1" smtClean="0"/>
+            <a:pPr marL="342900" indent="-342900">
+              <a:buAutoNum type="arabicPeriod"/>
+            </a:pPr>
+            <a:r>
+              <a:rPr lang="en-US" altLang="ko-KR" sz="1600" dirty="0" smtClean="0"/>
+              <a:t>span </a:t>
+            </a:r>
+            <a:r>
+              <a:rPr lang="ko-KR" altLang="en-US" sz="1600" dirty="0"/>
+              <a:t>태그에 테스트</a:t>
+            </a:r>
+            <a:r>
+              <a:rPr lang="en-US" altLang="ko-KR" sz="1600" dirty="0" smtClean="0"/>
+              <a:t>1, </a:t>
+            </a:r>
+            <a:r>
+              <a:rPr lang="ko-KR" altLang="en-US" sz="1600" dirty="0" smtClean="0"/>
+              <a:t>테스트</a:t>
+            </a:r>
+            <a:r>
+              <a:rPr lang="en-US" altLang="ko-KR" sz="1600" dirty="0" smtClean="0"/>
+              <a:t>2, </a:t>
+            </a:r>
+            <a:r>
+              <a:rPr lang="ko-KR" altLang="en-US" sz="1600" dirty="0" smtClean="0"/>
+              <a:t>테스트</a:t>
+            </a:r>
+            <a:r>
+              <a:rPr lang="en-US" altLang="ko-KR" sz="1600" dirty="0" smtClean="0"/>
+              <a:t>3 </a:t>
+            </a:r>
+            <a:r>
+              <a:rPr lang="ko-KR" altLang="en-US" sz="1600" dirty="0" smtClean="0"/>
+              <a:t>텍스트 넣고 각각에 클래스 </a:t>
+            </a:r>
+            <a:r>
+              <a:rPr lang="en-US" altLang="ko-KR" sz="1600" dirty="0" smtClean="0"/>
+              <a:t>test1, test2, test3</a:t>
+            </a:r>
+            <a:r>
+              <a:rPr lang="ko-KR" altLang="en-US" sz="1600" dirty="0" smtClean="0"/>
+              <a:t>을 부여하여 </a:t>
+            </a:r>
+            <a:r>
+              <a:rPr lang="en-US" altLang="ko-KR" sz="1600" dirty="0" err="1" smtClean="0"/>
               <a:t>css</a:t>
             </a:r>
             <a:r>
-              <a:rPr lang="en-US" altLang="ko-KR" dirty="0" smtClean="0"/>
-              <a:t> : font-weight </a:t>
-            </a:r>
-            <a:r>
-              <a:rPr lang="ko-KR" altLang="en-US" dirty="0" smtClean="0"/>
-              <a:t>속성의 의미를 확인</a:t>
-            </a:r>
-          </a:p>
-          <a:p>
-            <a:r>
-              <a:rPr lang="en-US" altLang="ko-KR" dirty="0" smtClean="0"/>
-              <a:t>2. </a:t>
-            </a:r>
-            <a:r>
-              <a:rPr lang="en-US" altLang="ko-KR" dirty="0" err="1" smtClean="0"/>
+              <a:rPr lang="en-US" altLang="ko-KR" sz="1600" dirty="0" smtClean="0"/>
+              <a:t> </a:t>
+            </a:r>
+            <a:r>
+              <a:rPr lang="en-US" altLang="ko-KR" sz="1600" dirty="0" smtClean="0"/>
+              <a:t>: font-weight </a:t>
+            </a:r>
+            <a:r>
+              <a:rPr lang="ko-KR" altLang="en-US" sz="1600" dirty="0" smtClean="0"/>
+              <a:t>속성을 활용해서 순차적으로 진하게</a:t>
+            </a:r>
+            <a:r>
+              <a:rPr lang="en-US" altLang="ko-KR" sz="1600" dirty="0" smtClean="0"/>
+              <a:t>~</a:t>
+            </a:r>
+            <a:r>
+              <a:rPr lang="ko-KR" altLang="en-US" sz="1600" dirty="0" smtClean="0"/>
+              <a:t>옅어지게 폰트 부여하기</a:t>
+            </a:r>
+            <a:endParaRPr lang="en-US" altLang="ko-KR" sz="1600" dirty="0" smtClean="0"/>
+          </a:p>
+          <a:p>
+            <a:pPr marL="342900" indent="-342900">
+              <a:buAutoNum type="arabicPeriod"/>
+            </a:pPr>
+            <a:r>
+              <a:rPr lang="en-US" altLang="ko-KR" sz="1600" dirty="0" err="1" smtClean="0"/>
               <a:t>ul</a:t>
             </a:r>
             <a:r>
-              <a:rPr lang="ko-KR" altLang="en-US" dirty="0" smtClean="0"/>
+              <a:rPr lang="ko-KR" altLang="en-US" sz="1600" dirty="0" smtClean="0"/>
               <a:t>의 </a:t>
             </a:r>
             <a:r>
-              <a:rPr lang="en-US" altLang="ko-KR" dirty="0" smtClean="0"/>
+              <a:rPr lang="en-US" altLang="ko-KR" sz="1600" dirty="0" smtClean="0"/>
               <a:t>. </a:t>
             </a:r>
             <a:r>
-              <a:rPr lang="ko-KR" altLang="en-US" dirty="0" smtClean="0"/>
-              <a:t>모양 그리고 </a:t>
-            </a:r>
-            <a:r>
-              <a:rPr lang="en-US" altLang="ko-KR" dirty="0" err="1" smtClean="0"/>
+              <a:rPr lang="ko-KR" altLang="en-US" sz="1600" dirty="0" smtClean="0"/>
+              <a:t>모양 </a:t>
+            </a:r>
+            <a:r>
+              <a:rPr lang="ko-KR" altLang="en-US" sz="1600" dirty="0" smtClean="0"/>
+              <a:t>삭제</a:t>
+            </a:r>
+            <a:endParaRPr lang="en-US" altLang="ko-KR" sz="1600" dirty="0" smtClean="0"/>
+          </a:p>
+          <a:p>
+            <a:r>
+              <a:rPr lang="en-US" altLang="ko-KR" sz="1600" dirty="0" smtClean="0"/>
+              <a:t>	&gt; </a:t>
+            </a:r>
+            <a:r>
+              <a:rPr lang="ko-KR" altLang="en-US" sz="1600" dirty="0" smtClean="0"/>
+              <a:t>보통 </a:t>
+            </a:r>
+            <a:r>
+              <a:rPr lang="en-US" altLang="ko-KR" sz="1600" dirty="0" err="1" smtClean="0"/>
+              <a:t>ul</a:t>
+            </a:r>
+            <a:r>
+              <a:rPr lang="en-US" altLang="ko-KR" sz="1600" dirty="0" smtClean="0"/>
+              <a:t>, li </a:t>
+            </a:r>
+            <a:r>
+              <a:rPr lang="ko-KR" altLang="en-US" sz="1600" dirty="0" smtClean="0"/>
+              <a:t>세트는 메뉴 </a:t>
+            </a:r>
+            <a:r>
+              <a:rPr lang="ko-KR" altLang="en-US" sz="1600" dirty="0" err="1" smtClean="0"/>
+              <a:t>네비게이션바를</a:t>
+            </a:r>
+            <a:r>
+              <a:rPr lang="ko-KR" altLang="en-US" sz="1600" dirty="0" smtClean="0"/>
+              <a:t> 만드는데 사용</a:t>
+            </a:r>
+          </a:p>
+          <a:p>
+            <a:r>
+              <a:rPr lang="ko-KR" altLang="en-US" sz="1600" dirty="0" smtClean="0"/>
+              <a:t>		</a:t>
+            </a:r>
+            <a:r>
+              <a:rPr lang="en-US" altLang="ko-KR" sz="1600" dirty="0" smtClean="0"/>
+              <a:t>&gt;&gt; </a:t>
+            </a:r>
+            <a:r>
+              <a:rPr lang="ko-KR" altLang="en-US" sz="1600" dirty="0" smtClean="0"/>
+              <a:t>일렬로 정렬하는 </a:t>
+            </a:r>
+            <a:r>
+              <a:rPr lang="en-US" altLang="ko-KR" sz="1600" dirty="0" err="1" smtClean="0"/>
+              <a:t>css</a:t>
+            </a:r>
+            <a:r>
+              <a:rPr lang="en-US" altLang="ko-KR" sz="1600" dirty="0" smtClean="0"/>
+              <a:t> </a:t>
+            </a:r>
+            <a:r>
+              <a:rPr lang="ko-KR" altLang="en-US" sz="1600" dirty="0" smtClean="0"/>
+              <a:t>작성</a:t>
+            </a:r>
+            <a:endParaRPr lang="en-US" altLang="ko-KR" sz="1600" dirty="0" smtClean="0"/>
+          </a:p>
+          <a:p>
+            <a:r>
+              <a:rPr lang="en-US" altLang="ko-KR" sz="1600" dirty="0" smtClean="0"/>
+              <a:t>3. </a:t>
+            </a:r>
+            <a:r>
+              <a:rPr lang="en-US" altLang="ko-KR" sz="1600" dirty="0" err="1" smtClean="0"/>
               <a:t>ol</a:t>
             </a:r>
             <a:r>
-              <a:rPr lang="ko-KR" altLang="en-US" dirty="0" smtClean="0"/>
+              <a:rPr lang="ko-KR" altLang="en-US" sz="1600" dirty="0"/>
               <a:t>의 숫자 넘버링을 삭제할 수 있는 </a:t>
             </a:r>
             <a:r>
-              <a:rPr lang="en-US" altLang="ko-KR" dirty="0" err="1" smtClean="0"/>
+              <a:rPr lang="en-US" altLang="ko-KR" sz="1600" dirty="0" err="1"/>
               <a:t>css</a:t>
             </a:r>
             <a:r>
-              <a:rPr lang="ko-KR" altLang="en-US" dirty="0" smtClean="0"/>
-              <a:t>를 정의</a:t>
-            </a:r>
-          </a:p>
-          <a:p>
-            <a:r>
-              <a:rPr lang="ko-KR" altLang="en-US" dirty="0" smtClean="0"/>
-              <a:t>	</a:t>
-            </a:r>
-            <a:r>
-              <a:rPr lang="en-US" altLang="ko-KR" dirty="0" smtClean="0"/>
-              <a:t>&gt; </a:t>
-            </a:r>
-            <a:r>
-              <a:rPr lang="ko-KR" altLang="en-US" dirty="0" smtClean="0"/>
-              <a:t>보통 </a:t>
-            </a:r>
-            <a:r>
-              <a:rPr lang="en-US" altLang="ko-KR" dirty="0" err="1" smtClean="0"/>
-              <a:t>ul</a:t>
-            </a:r>
-            <a:r>
-              <a:rPr lang="en-US" altLang="ko-KR" dirty="0" smtClean="0"/>
-              <a:t>, li </a:t>
-            </a:r>
-            <a:r>
-              <a:rPr lang="ko-KR" altLang="en-US" dirty="0" smtClean="0"/>
-              <a:t>세트는 메뉴 </a:t>
-            </a:r>
-            <a:r>
-              <a:rPr lang="ko-KR" altLang="en-US" dirty="0" err="1" smtClean="0"/>
-              <a:t>네비게이션바를</a:t>
-            </a:r>
-            <a:r>
-              <a:rPr lang="ko-KR" altLang="en-US" dirty="0" smtClean="0"/>
-              <a:t> 만드는데 사용</a:t>
-            </a:r>
-          </a:p>
-          <a:p>
-            <a:r>
-              <a:rPr lang="ko-KR" altLang="en-US" dirty="0" smtClean="0"/>
-              <a:t>		</a:t>
-            </a:r>
-            <a:r>
-              <a:rPr lang="en-US" altLang="ko-KR" dirty="0" smtClean="0"/>
-              <a:t>&gt;&gt; </a:t>
-            </a:r>
-            <a:r>
-              <a:rPr lang="ko-KR" altLang="en-US" dirty="0" smtClean="0"/>
-              <a:t>일렬로 정렬하는 </a:t>
-            </a:r>
-            <a:r>
-              <a:rPr lang="en-US" altLang="ko-KR" dirty="0" err="1" smtClean="0"/>
+              <a:rPr lang="ko-KR" altLang="en-US" sz="1600" dirty="0"/>
+              <a:t>를 </a:t>
+            </a:r>
+            <a:r>
+              <a:rPr lang="ko-KR" altLang="en-US" sz="1600" dirty="0" smtClean="0"/>
+              <a:t>정의</a:t>
+            </a:r>
+            <a:endParaRPr lang="ko-KR" altLang="en-US" sz="1600" dirty="0" smtClean="0"/>
+          </a:p>
+          <a:p>
+            <a:r>
+              <a:rPr lang="en-US" altLang="ko-KR" sz="1600" dirty="0" smtClean="0"/>
+              <a:t>4.</a:t>
+            </a:r>
+            <a:r>
+              <a:rPr lang="en-US" altLang="ko-KR" sz="1600" dirty="0" smtClean="0"/>
+              <a:t> </a:t>
+            </a:r>
+            <a:r>
+              <a:rPr lang="ko-KR" altLang="en-US" sz="1600" dirty="0" smtClean="0"/>
+              <a:t>테이블 태그를 아래와 같은 형태로 </a:t>
+            </a:r>
+            <a:r>
+              <a:rPr lang="en-US" altLang="ko-KR" sz="1600" dirty="0" err="1" smtClean="0"/>
               <a:t>css</a:t>
             </a:r>
             <a:r>
-              <a:rPr lang="en-US" altLang="ko-KR" dirty="0" smtClean="0"/>
+              <a:rPr lang="en-US" altLang="ko-KR" sz="1600" dirty="0" smtClean="0"/>
               <a:t> </a:t>
             </a:r>
             <a:r>
-              <a:rPr lang="ko-KR" altLang="en-US" dirty="0" smtClean="0"/>
-              <a:t>작성</a:t>
-            </a:r>
-          </a:p>
-          <a:p>
-            <a:r>
-              <a:rPr lang="en-US" altLang="ko-KR" dirty="0" smtClean="0"/>
-              <a:t>3. </a:t>
-            </a:r>
-            <a:r>
-              <a:rPr lang="ko-KR" altLang="en-US" dirty="0" smtClean="0"/>
-              <a:t>테이블 태그를 아래와 같은 형태로 </a:t>
-            </a:r>
-            <a:r>
-              <a:rPr lang="en-US" altLang="ko-KR" dirty="0" err="1" smtClean="0"/>
-              <a:t>css</a:t>
-            </a:r>
-            <a:r>
-              <a:rPr lang="en-US" altLang="ko-KR" dirty="0" smtClean="0"/>
+              <a:rPr lang="ko-KR" altLang="en-US" sz="1600" dirty="0" smtClean="0"/>
+              <a:t>작성해주세요</a:t>
+            </a:r>
+            <a:endParaRPr lang="en-US" altLang="ko-KR" sz="1600" dirty="0" smtClean="0"/>
+          </a:p>
+          <a:p>
+            <a:r>
+              <a:rPr lang="en-US" altLang="ko-KR" sz="1600" dirty="0" smtClean="0"/>
+              <a:t>5. </a:t>
+            </a:r>
+            <a:r>
+              <a:rPr lang="ko-KR" altLang="en-US" sz="1600" dirty="0" smtClean="0"/>
+              <a:t>테이블 태그의 너비는 </a:t>
+            </a:r>
+            <a:r>
+              <a:rPr lang="en-US" altLang="ko-KR" sz="1600" dirty="0" err="1" smtClean="0"/>
+              <a:t>colgroup</a:t>
+            </a:r>
+            <a:r>
+              <a:rPr lang="en-US" altLang="ko-KR" sz="1600" dirty="0" smtClean="0"/>
+              <a:t>(</a:t>
+            </a:r>
+            <a:r>
+              <a:rPr lang="ko-KR" altLang="en-US" sz="1600" dirty="0" smtClean="0"/>
+              <a:t>각각 </a:t>
+            </a:r>
+            <a:r>
+              <a:rPr lang="en-US" altLang="ko-KR" sz="1600" dirty="0" smtClean="0"/>
+              <a:t>50px</a:t>
+            </a:r>
+            <a:r>
+              <a:rPr lang="en-US" altLang="ko-KR" sz="1600" dirty="0" smtClean="0"/>
+              <a:t>)</a:t>
+            </a:r>
+            <a:r>
+              <a:rPr lang="ko-KR" altLang="en-US" sz="1600" dirty="0" smtClean="0"/>
+              <a:t>을 </a:t>
+            </a:r>
+            <a:r>
+              <a:rPr lang="en-US" altLang="ko-KR" sz="1600" dirty="0" smtClean="0"/>
+              <a:t>html</a:t>
+            </a:r>
+            <a:r>
+              <a:rPr lang="ko-KR" altLang="en-US" sz="1600" dirty="0" smtClean="0"/>
+              <a:t>에 추가해서 간격을 조정해주세요</a:t>
+            </a:r>
+            <a:endParaRPr lang="en-US" altLang="ko-KR" sz="1600" dirty="0" smtClean="0"/>
+          </a:p>
+          <a:p>
+            <a:r>
+              <a:rPr lang="en-US" altLang="ko-KR" sz="1600" dirty="0" smtClean="0"/>
+              <a:t>6. </a:t>
+            </a:r>
+            <a:r>
+              <a:rPr lang="ko-KR" altLang="en-US" sz="1600" dirty="0" err="1" smtClean="0"/>
+              <a:t>첫번째</a:t>
+            </a:r>
+            <a:r>
+              <a:rPr lang="ko-KR" altLang="en-US" sz="1600" dirty="0" smtClean="0"/>
               <a:t> </a:t>
             </a:r>
             <a:r>
-              <a:rPr lang="ko-KR" altLang="en-US" dirty="0" smtClean="0"/>
-              <a:t>작성해주세요</a:t>
-            </a:r>
-            <a:endParaRPr lang="en-US" altLang="ko-KR" dirty="0" smtClean="0"/>
-          </a:p>
-          <a:p>
-            <a:r>
-              <a:rPr lang="en-US" altLang="ko-KR" dirty="0" smtClean="0"/>
-              <a:t>4. </a:t>
-            </a:r>
-            <a:r>
-              <a:rPr lang="ko-KR" altLang="en-US" dirty="0" smtClean="0"/>
-              <a:t>테이블 태그의 너비는 </a:t>
-            </a:r>
-            <a:r>
-              <a:rPr lang="en-US" altLang="ko-KR" dirty="0" err="1" smtClean="0"/>
-              <a:t>colgroup</a:t>
-            </a:r>
-            <a:r>
-              <a:rPr lang="ko-KR" altLang="en-US" dirty="0" smtClean="0"/>
-              <a:t>을 </a:t>
-            </a:r>
-            <a:r>
-              <a:rPr lang="en-US" altLang="ko-KR" dirty="0" smtClean="0"/>
-              <a:t>html</a:t>
-            </a:r>
-            <a:r>
-              <a:rPr lang="ko-KR" altLang="en-US" dirty="0" smtClean="0"/>
-              <a:t>에 추가해서 간격을 조정해주세요</a:t>
-            </a:r>
-            <a:endParaRPr lang="en-US" altLang="ko-KR" dirty="0" smtClean="0"/>
-          </a:p>
-          <a:p>
-            <a:r>
-              <a:rPr lang="en-US" altLang="ko-KR" dirty="0" smtClean="0"/>
-              <a:t>5. </a:t>
-            </a:r>
-            <a:r>
-              <a:rPr lang="ko-KR" altLang="en-US" dirty="0" err="1" smtClean="0"/>
-              <a:t>첫번째</a:t>
-            </a:r>
-            <a:r>
-              <a:rPr lang="ko-KR" altLang="en-US" dirty="0" smtClean="0"/>
-              <a:t> 이미지는 가로 </a:t>
-            </a:r>
-            <a:r>
-              <a:rPr lang="en-US" altLang="ko-KR" dirty="0" smtClean="0"/>
+              <a:rPr lang="ko-KR" altLang="en-US" sz="1600" dirty="0" smtClean="0"/>
+              <a:t>이미지</a:t>
+            </a:r>
+            <a:r>
+              <a:rPr lang="en-US" altLang="ko-KR" sz="1600" dirty="0" smtClean="0"/>
+              <a:t>(img1)</a:t>
+            </a:r>
+            <a:r>
+              <a:rPr lang="ko-KR" altLang="en-US" sz="1600" dirty="0" smtClean="0"/>
+              <a:t>는 </a:t>
+            </a:r>
+            <a:r>
+              <a:rPr lang="ko-KR" altLang="en-US" sz="1600" dirty="0" smtClean="0"/>
+              <a:t>가로 </a:t>
+            </a:r>
+            <a:r>
+              <a:rPr lang="en-US" altLang="ko-KR" sz="1600" dirty="0" smtClean="0"/>
               <a:t>400px</a:t>
             </a:r>
             <a:r>
-              <a:rPr lang="ko-KR" altLang="en-US" dirty="0" smtClean="0"/>
+              <a:rPr lang="ko-KR" altLang="en-US" sz="1600" dirty="0" smtClean="0"/>
               <a:t>에 높이는 가로비율에 맞춰서 자동으로 설정</a:t>
             </a:r>
-            <a:endParaRPr lang="en-US" altLang="ko-KR" dirty="0" smtClean="0"/>
-          </a:p>
-          <a:p>
-            <a:r>
-              <a:rPr lang="en-US" altLang="ko-KR" dirty="0" smtClean="0"/>
-              <a:t>6. </a:t>
-            </a:r>
-            <a:r>
-              <a:rPr lang="ko-KR" altLang="en-US" dirty="0" smtClean="0"/>
-              <a:t>이미지를 </a:t>
-            </a:r>
-            <a:r>
-              <a:rPr lang="en-US" altLang="ko-KR" dirty="0" smtClean="0"/>
+            <a:endParaRPr lang="en-US" altLang="ko-KR" sz="1600" dirty="0" smtClean="0"/>
+          </a:p>
+          <a:p>
+            <a:r>
+              <a:rPr lang="en-US" altLang="ko-KR" sz="1600" dirty="0" smtClean="0"/>
+              <a:t>7. </a:t>
+            </a:r>
+            <a:r>
+              <a:rPr lang="ko-KR" altLang="en-US" sz="1600" dirty="0" err="1" smtClean="0"/>
+              <a:t>두번째</a:t>
+            </a:r>
+            <a:r>
+              <a:rPr lang="ko-KR" altLang="en-US" sz="1600" dirty="0" smtClean="0"/>
+              <a:t> 이미지</a:t>
+            </a:r>
+            <a:r>
+              <a:rPr lang="en-US" altLang="ko-KR" sz="1600" dirty="0" smtClean="0"/>
+              <a:t>(img2)</a:t>
+            </a:r>
+            <a:r>
+              <a:rPr lang="ko-KR" altLang="en-US" sz="1600" dirty="0" smtClean="0"/>
+              <a:t>를 </a:t>
+            </a:r>
+            <a:r>
+              <a:rPr lang="en-US" altLang="ko-KR" sz="1600" dirty="0" smtClean="0"/>
               <a:t>chrome </a:t>
             </a:r>
             <a:r>
-              <a:rPr lang="ko-KR" altLang="en-US" dirty="0" smtClean="0"/>
+              <a:rPr lang="ko-KR" altLang="en-US" sz="1600" dirty="0" smtClean="0"/>
               <a:t>브라우저 너비 전체로 확장하고 브라우저 사이즈가 줄어도 이미지가 </a:t>
             </a:r>
             <a:r>
-              <a:rPr lang="ko-KR" altLang="en-US" dirty="0" err="1" smtClean="0"/>
+              <a:rPr lang="ko-KR" altLang="en-US" sz="1600" dirty="0" err="1" smtClean="0"/>
               <a:t>짤리지</a:t>
             </a:r>
             <a:r>
-              <a:rPr lang="ko-KR" altLang="en-US" dirty="0" smtClean="0"/>
+              <a:rPr lang="ko-KR" altLang="en-US" sz="1600" dirty="0" smtClean="0"/>
               <a:t> 않고 비율에 맞게 줄어 들게 수정</a:t>
             </a:r>
-            <a:endParaRPr lang="en-US" altLang="ko-KR" dirty="0" smtClean="0"/>
+            <a:endParaRPr lang="en-US" altLang="ko-KR" sz="1600" dirty="0" smtClean="0"/>
           </a:p>
         </p:txBody>
       </p:sp>

--- a/03. homework/hw02/doc/hw02.pptx
+++ b/03. homework/hw02/doc/hw02.pptx
@@ -288,7 +288,7 @@
           <a:p>
             <a:fld id="{E4E9026A-CBCE-43A6-9A10-6B064527E4AD}" type="datetimeFigureOut">
               <a:rPr lang="ko-KR" altLang="en-US" smtClean="0"/>
-              <a:t>2024-01-23</a:t>
+              <a:t>2024-01-26</a:t>
             </a:fld>
             <a:endParaRPr lang="ko-KR" altLang="en-US"/>
           </a:p>
@@ -458,7 +458,7 @@
           <a:p>
             <a:fld id="{E4E9026A-CBCE-43A6-9A10-6B064527E4AD}" type="datetimeFigureOut">
               <a:rPr lang="ko-KR" altLang="en-US" smtClean="0"/>
-              <a:t>2024-01-23</a:t>
+              <a:t>2024-01-26</a:t>
             </a:fld>
             <a:endParaRPr lang="ko-KR" altLang="en-US"/>
           </a:p>
@@ -638,7 +638,7 @@
           <a:p>
             <a:fld id="{E4E9026A-CBCE-43A6-9A10-6B064527E4AD}" type="datetimeFigureOut">
               <a:rPr lang="ko-KR" altLang="en-US" smtClean="0"/>
-              <a:t>2024-01-23</a:t>
+              <a:t>2024-01-26</a:t>
             </a:fld>
             <a:endParaRPr lang="ko-KR" altLang="en-US"/>
           </a:p>
@@ -808,7 +808,7 @@
           <a:p>
             <a:fld id="{E4E9026A-CBCE-43A6-9A10-6B064527E4AD}" type="datetimeFigureOut">
               <a:rPr lang="ko-KR" altLang="en-US" smtClean="0"/>
-              <a:t>2024-01-23</a:t>
+              <a:t>2024-01-26</a:t>
             </a:fld>
             <a:endParaRPr lang="ko-KR" altLang="en-US"/>
           </a:p>
@@ -1054,7 +1054,7 @@
           <a:p>
             <a:fld id="{E4E9026A-CBCE-43A6-9A10-6B064527E4AD}" type="datetimeFigureOut">
               <a:rPr lang="ko-KR" altLang="en-US" smtClean="0"/>
-              <a:t>2024-01-23</a:t>
+              <a:t>2024-01-26</a:t>
             </a:fld>
             <a:endParaRPr lang="ko-KR" altLang="en-US"/>
           </a:p>
@@ -1342,7 +1342,7 @@
           <a:p>
             <a:fld id="{E4E9026A-CBCE-43A6-9A10-6B064527E4AD}" type="datetimeFigureOut">
               <a:rPr lang="ko-KR" altLang="en-US" smtClean="0"/>
-              <a:t>2024-01-23</a:t>
+              <a:t>2024-01-26</a:t>
             </a:fld>
             <a:endParaRPr lang="ko-KR" altLang="en-US"/>
           </a:p>
@@ -1764,7 +1764,7 @@
           <a:p>
             <a:fld id="{E4E9026A-CBCE-43A6-9A10-6B064527E4AD}" type="datetimeFigureOut">
               <a:rPr lang="ko-KR" altLang="en-US" smtClean="0"/>
-              <a:t>2024-01-23</a:t>
+              <a:t>2024-01-26</a:t>
             </a:fld>
             <a:endParaRPr lang="ko-KR" altLang="en-US"/>
           </a:p>
@@ -1882,7 +1882,7 @@
           <a:p>
             <a:fld id="{E4E9026A-CBCE-43A6-9A10-6B064527E4AD}" type="datetimeFigureOut">
               <a:rPr lang="ko-KR" altLang="en-US" smtClean="0"/>
-              <a:t>2024-01-23</a:t>
+              <a:t>2024-01-26</a:t>
             </a:fld>
             <a:endParaRPr lang="ko-KR" altLang="en-US"/>
           </a:p>
@@ -1977,7 +1977,7 @@
           <a:p>
             <a:fld id="{E4E9026A-CBCE-43A6-9A10-6B064527E4AD}" type="datetimeFigureOut">
               <a:rPr lang="ko-KR" altLang="en-US" smtClean="0"/>
-              <a:t>2024-01-23</a:t>
+              <a:t>2024-01-26</a:t>
             </a:fld>
             <a:endParaRPr lang="ko-KR" altLang="en-US"/>
           </a:p>
@@ -2254,7 +2254,7 @@
           <a:p>
             <a:fld id="{E4E9026A-CBCE-43A6-9A10-6B064527E4AD}" type="datetimeFigureOut">
               <a:rPr lang="ko-KR" altLang="en-US" smtClean="0"/>
-              <a:t>2024-01-23</a:t>
+              <a:t>2024-01-26</a:t>
             </a:fld>
             <a:endParaRPr lang="ko-KR" altLang="en-US"/>
           </a:p>
@@ -2507,7 +2507,7 @@
           <a:p>
             <a:fld id="{E4E9026A-CBCE-43A6-9A10-6B064527E4AD}" type="datetimeFigureOut">
               <a:rPr lang="ko-KR" altLang="en-US" smtClean="0"/>
-              <a:t>2024-01-23</a:t>
+              <a:t>2024-01-26</a:t>
             </a:fld>
             <a:endParaRPr lang="ko-KR" altLang="en-US"/>
           </a:p>
@@ -2720,7 +2720,7 @@
           <a:p>
             <a:fld id="{E4E9026A-CBCE-43A6-9A10-6B064527E4AD}" type="datetimeFigureOut">
               <a:rPr lang="ko-KR" altLang="en-US" smtClean="0"/>
-              <a:t>2024-01-23</a:t>
+              <a:t>2024-01-26</a:t>
             </a:fld>
             <a:endParaRPr lang="ko-KR" altLang="en-US"/>
           </a:p>
@@ -3230,11 +3230,7 @@
             </a:r>
             <a:r>
               <a:rPr lang="en-US" altLang="ko-KR" sz="1600" dirty="0" smtClean="0"/>
-              <a:t> </a:t>
-            </a:r>
-            <a:r>
-              <a:rPr lang="en-US" altLang="ko-KR" sz="1600" dirty="0" smtClean="0"/>
-              <a:t>: font-weight </a:t>
+              <a:t> : font-weight </a:t>
             </a:r>
             <a:r>
               <a:rPr lang="ko-KR" altLang="en-US" sz="1600" dirty="0" smtClean="0"/>
@@ -3268,11 +3264,7 @@
             </a:r>
             <a:r>
               <a:rPr lang="ko-KR" altLang="en-US" sz="1600" dirty="0" smtClean="0"/>
-              <a:t>모양 </a:t>
-            </a:r>
-            <a:r>
-              <a:rPr lang="ko-KR" altLang="en-US" sz="1600" dirty="0" smtClean="0"/>
-              <a:t>삭제</a:t>
+              <a:t>모양 삭제</a:t>
             </a:r>
             <a:endParaRPr lang="en-US" altLang="ko-KR" sz="1600" dirty="0" smtClean="0"/>
           </a:p>
@@ -3358,12 +3350,19 @@
               <a:rPr lang="ko-KR" altLang="en-US" sz="1600" dirty="0" smtClean="0"/>
               <a:t>정의</a:t>
             </a:r>
-            <a:endParaRPr lang="ko-KR" altLang="en-US" sz="1600" dirty="0" smtClean="0"/>
           </a:p>
           <a:p>
             <a:r>
               <a:rPr lang="en-US" altLang="ko-KR" sz="1600" dirty="0" smtClean="0"/>
-              <a:t>4.</a:t>
+              <a:t>4. </a:t>
+            </a:r>
+            <a:r>
+              <a:rPr lang="ko-KR" altLang="en-US" sz="1600" dirty="0" smtClean="0"/>
+              <a:t>테이블 태그를 아래와 같은 형태로 </a:t>
+            </a:r>
+            <a:r>
+              <a:rPr lang="en-US" altLang="ko-KR" sz="1600" dirty="0" err="1" smtClean="0"/>
+              <a:t>css</a:t>
             </a:r>
             <a:r>
               <a:rPr lang="en-US" altLang="ko-KR" sz="1600" dirty="0" smtClean="0"/>
@@ -3371,18 +3370,6 @@
             </a:r>
             <a:r>
               <a:rPr lang="ko-KR" altLang="en-US" sz="1600" dirty="0" smtClean="0"/>
-              <a:t>테이블 태그를 아래와 같은 형태로 </a:t>
-            </a:r>
-            <a:r>
-              <a:rPr lang="en-US" altLang="ko-KR" sz="1600" dirty="0" err="1" smtClean="0"/>
-              <a:t>css</a:t>
-            </a:r>
-            <a:r>
-              <a:rPr lang="en-US" altLang="ko-KR" sz="1600" dirty="0" smtClean="0"/>
-              <a:t> </a:t>
-            </a:r>
-            <a:r>
-              <a:rPr lang="ko-KR" altLang="en-US" sz="1600" dirty="0" smtClean="0"/>
               <a:t>작성해주세요</a:t>
             </a:r>
             <a:endParaRPr lang="en-US" altLang="ko-KR" sz="1600" dirty="0" smtClean="0"/>
@@ -3410,11 +3397,7 @@
             </a:r>
             <a:r>
               <a:rPr lang="en-US" altLang="ko-KR" sz="1600" dirty="0" smtClean="0"/>
-              <a:t>50px</a:t>
-            </a:r>
-            <a:r>
-              <a:rPr lang="en-US" altLang="ko-KR" sz="1600" dirty="0" smtClean="0"/>
-              <a:t>)</a:t>
+              <a:t>50px)</a:t>
             </a:r>
             <a:r>
               <a:rPr lang="ko-KR" altLang="en-US" sz="1600" dirty="0" smtClean="0"/>
@@ -3441,11 +3424,7 @@
             </a:r>
             <a:r>
               <a:rPr lang="ko-KR" altLang="en-US" sz="1600" dirty="0" smtClean="0"/>
-              <a:t> </a:t>
-            </a:r>
-            <a:r>
-              <a:rPr lang="ko-KR" altLang="en-US" sz="1600" dirty="0" smtClean="0"/>
-              <a:t>이미지</a:t>
+              <a:t> 이미지</a:t>
             </a:r>
             <a:r>
               <a:rPr lang="en-US" altLang="ko-KR" sz="1600" dirty="0" smtClean="0"/>
@@ -3453,11 +3432,7 @@
             </a:r>
             <a:r>
               <a:rPr lang="ko-KR" altLang="en-US" sz="1600" dirty="0" smtClean="0"/>
-              <a:t>는 </a:t>
-            </a:r>
-            <a:r>
-              <a:rPr lang="ko-KR" altLang="en-US" sz="1600" dirty="0" smtClean="0"/>
-              <a:t>가로 </a:t>
+              <a:t>는 가로 </a:t>
             </a:r>
             <a:r>
               <a:rPr lang="en-US" altLang="ko-KR" sz="1600" dirty="0" smtClean="0"/>
@@ -3496,17 +3471,37 @@
             </a:r>
             <a:r>
               <a:rPr lang="ko-KR" altLang="en-US" sz="1600" dirty="0" smtClean="0"/>
-              <a:t>브라우저 너비 전체로 확장하고 브라우저 사이즈가 줄어도 이미지가 </a:t>
-            </a:r>
-            <a:r>
-              <a:rPr lang="ko-KR" altLang="en-US" sz="1600" dirty="0" err="1" smtClean="0"/>
+              <a:t>브라우저 너비 전체로 확장하고 </a:t>
+            </a:r>
+            <a:r>
+              <a:rPr lang="ko-KR" altLang="en-US" sz="1600" b="1" dirty="0" smtClean="0">
+                <a:solidFill>
+                  <a:srgbClr val="FF0000"/>
+                </a:solidFill>
+              </a:rPr>
+              <a:t>브라우저 사이즈가 줄어도 이미지가 </a:t>
+            </a:r>
+            <a:r>
+              <a:rPr lang="ko-KR" altLang="en-US" sz="1600" b="1" dirty="0" err="1" smtClean="0">
+                <a:solidFill>
+                  <a:srgbClr val="FF0000"/>
+                </a:solidFill>
+              </a:rPr>
               <a:t>짤리지</a:t>
             </a:r>
             <a:r>
-              <a:rPr lang="ko-KR" altLang="en-US" sz="1600" dirty="0" smtClean="0"/>
+              <a:rPr lang="ko-KR" altLang="en-US" sz="1600" b="1" dirty="0" smtClean="0">
+                <a:solidFill>
+                  <a:srgbClr val="FF0000"/>
+                </a:solidFill>
+              </a:rPr>
               <a:t> 않고 비율에 맞게 줄어 들게 수정</a:t>
             </a:r>
-            <a:endParaRPr lang="en-US" altLang="ko-KR" sz="1600" dirty="0" smtClean="0"/>
+            <a:endParaRPr lang="en-US" altLang="ko-KR" sz="1600" b="1" dirty="0" smtClean="0">
+              <a:solidFill>
+                <a:srgbClr val="FF0000"/>
+              </a:solidFill>
+            </a:endParaRPr>
           </a:p>
         </p:txBody>
       </p:sp>
